--- a/Doc/AngularMat.pptx
+++ b/Doc/AngularMat.pptx
@@ -6,6 +6,11 @@
   </p:sldMasterIdLst>
   <p:sldIdLst>
     <p:sldId id="256" r:id="rId2"/>
+    <p:sldId id="259" r:id="rId3"/>
+    <p:sldId id="260" r:id="rId4"/>
+    <p:sldId id="262" r:id="rId5"/>
+    <p:sldId id="261" r:id="rId6"/>
+    <p:sldId id="257" r:id="rId7"/>
   </p:sldIdLst>
   <p:sldSz cx="12192000" cy="6858000"/>
   <p:notesSz cx="6858000" cy="9144000"/>
@@ -104,6 +109,11 @@
       </a:defRPr>
     </a:lvl9pPr>
   </p:defaultTextStyle>
+  <p:extLst>
+    <p:ext uri="{EFAFB233-063F-42B5-8137-9DF3F51BA10A}">
+      <p15:sldGuideLst xmlns:p15="http://schemas.microsoft.com/office/powerpoint/2012/main"/>
+    </p:ext>
+  </p:extLst>
 </p:presentation>
 </file>
 
@@ -256,7 +266,7 @@
           <a:p>
             <a:fld id="{34AA20A6-592D-427F-89B9-CB66581C1872}" type="datetimeFigureOut">
               <a:rPr lang="en-US" smtClean="0"/>
-              <a:t>1/4/2019</a:t>
+              <a:t>1/21/2019</a:t>
             </a:fld>
             <a:endParaRPr lang="en-US"/>
           </a:p>
@@ -456,7 +466,7 @@
           <a:p>
             <a:fld id="{34AA20A6-592D-427F-89B9-CB66581C1872}" type="datetimeFigureOut">
               <a:rPr lang="en-US" smtClean="0"/>
-              <a:t>1/4/2019</a:t>
+              <a:t>1/21/2019</a:t>
             </a:fld>
             <a:endParaRPr lang="en-US"/>
           </a:p>
@@ -666,7 +676,7 @@
           <a:p>
             <a:fld id="{34AA20A6-592D-427F-89B9-CB66581C1872}" type="datetimeFigureOut">
               <a:rPr lang="en-US" smtClean="0"/>
-              <a:t>1/4/2019</a:t>
+              <a:t>1/21/2019</a:t>
             </a:fld>
             <a:endParaRPr lang="en-US"/>
           </a:p>
@@ -866,7 +876,7 @@
           <a:p>
             <a:fld id="{34AA20A6-592D-427F-89B9-CB66581C1872}" type="datetimeFigureOut">
               <a:rPr lang="en-US" smtClean="0"/>
-              <a:t>1/4/2019</a:t>
+              <a:t>1/21/2019</a:t>
             </a:fld>
             <a:endParaRPr lang="en-US"/>
           </a:p>
@@ -1142,7 +1152,7 @@
           <a:p>
             <a:fld id="{34AA20A6-592D-427F-89B9-CB66581C1872}" type="datetimeFigureOut">
               <a:rPr lang="en-US" smtClean="0"/>
-              <a:t>1/4/2019</a:t>
+              <a:t>1/21/2019</a:t>
             </a:fld>
             <a:endParaRPr lang="en-US"/>
           </a:p>
@@ -1410,7 +1420,7 @@
           <a:p>
             <a:fld id="{34AA20A6-592D-427F-89B9-CB66581C1872}" type="datetimeFigureOut">
               <a:rPr lang="en-US" smtClean="0"/>
-              <a:t>1/4/2019</a:t>
+              <a:t>1/21/2019</a:t>
             </a:fld>
             <a:endParaRPr lang="en-US"/>
           </a:p>
@@ -1825,7 +1835,7 @@
           <a:p>
             <a:fld id="{34AA20A6-592D-427F-89B9-CB66581C1872}" type="datetimeFigureOut">
               <a:rPr lang="en-US" smtClean="0"/>
-              <a:t>1/4/2019</a:t>
+              <a:t>1/21/2019</a:t>
             </a:fld>
             <a:endParaRPr lang="en-US"/>
           </a:p>
@@ -1967,7 +1977,7 @@
           <a:p>
             <a:fld id="{34AA20A6-592D-427F-89B9-CB66581C1872}" type="datetimeFigureOut">
               <a:rPr lang="en-US" smtClean="0"/>
-              <a:t>1/4/2019</a:t>
+              <a:t>1/21/2019</a:t>
             </a:fld>
             <a:endParaRPr lang="en-US"/>
           </a:p>
@@ -2080,7 +2090,7 @@
           <a:p>
             <a:fld id="{34AA20A6-592D-427F-89B9-CB66581C1872}" type="datetimeFigureOut">
               <a:rPr lang="en-US" smtClean="0"/>
-              <a:t>1/4/2019</a:t>
+              <a:t>1/21/2019</a:t>
             </a:fld>
             <a:endParaRPr lang="en-US"/>
           </a:p>
@@ -2393,7 +2403,7 @@
           <a:p>
             <a:fld id="{34AA20A6-592D-427F-89B9-CB66581C1872}" type="datetimeFigureOut">
               <a:rPr lang="en-US" smtClean="0"/>
-              <a:t>1/4/2019</a:t>
+              <a:t>1/21/2019</a:t>
             </a:fld>
             <a:endParaRPr lang="en-US"/>
           </a:p>
@@ -2682,7 +2692,7 @@
           <a:p>
             <a:fld id="{34AA20A6-592D-427F-89B9-CB66581C1872}" type="datetimeFigureOut">
               <a:rPr lang="en-US" smtClean="0"/>
-              <a:t>1/4/2019</a:t>
+              <a:t>1/21/2019</a:t>
             </a:fld>
             <a:endParaRPr lang="en-US"/>
           </a:p>
@@ -2925,7 +2935,7 @@
           <a:p>
             <a:fld id="{34AA20A6-592D-427F-89B9-CB66581C1872}" type="datetimeFigureOut">
               <a:rPr lang="en-US" smtClean="0"/>
-              <a:t>1/4/2019</a:t>
+              <a:t>1/21/2019</a:t>
             </a:fld>
             <a:endParaRPr lang="en-US"/>
           </a:p>
@@ -3357,7 +3367,7 @@
         <p:spPr>
           <a:xfrm>
             <a:off x="1847307" y="1007571"/>
-            <a:ext cx="1538306" cy="1477328"/>
+            <a:ext cx="2433871" cy="369332"/>
           </a:xfrm>
           <a:prstGeom prst="rect">
             <a:avLst/>
@@ -3370,34 +3380,14 @@
           <a:lstStyle/>
           <a:p>
             <a:r>
-              <a:rPr lang="en-US" dirty="0"/>
-              <a:t>Theme</a:t>
-            </a:r>
-          </a:p>
-          <a:p>
-            <a:r>
-              <a:rPr lang="en-US" dirty="0"/>
-              <a:t>mat-elevation</a:t>
-            </a:r>
-          </a:p>
-          <a:p>
-            <a:r>
-              <a:rPr lang="en-US" dirty="0"/>
-              <a:t>animations</a:t>
-            </a:r>
-          </a:p>
-          <a:p>
-            <a:r>
-              <a:rPr lang="en-US" dirty="0" err="1"/>
-              <a:t>Sidenav</a:t>
+              <a:rPr lang="zh-CN" altLang="en-US" dirty="0"/>
+              <a:t>什么是</a:t>
+            </a:r>
+            <a:r>
+              <a:rPr lang="en-US" altLang="zh-CN" dirty="0"/>
+              <a:t>angular material</a:t>
             </a:r>
             <a:endParaRPr lang="en-US" dirty="0"/>
-          </a:p>
-          <a:p>
-            <a:r>
-              <a:rPr lang="en-US" dirty="0"/>
-              <a:t>Layout change</a:t>
-            </a:r>
           </a:p>
         </p:txBody>
       </p:sp>
@@ -3405,6 +3395,738 @@
     <p:extLst>
       <p:ext uri="{BB962C8B-B14F-4D97-AF65-F5344CB8AC3E}">
         <p14:creationId xmlns:p14="http://schemas.microsoft.com/office/powerpoint/2010/main" val="3588156500"/>
+      </p:ext>
+    </p:extLst>
+  </p:cSld>
+  <p:clrMapOvr>
+    <a:masterClrMapping/>
+  </p:clrMapOvr>
+</p:sld>
+</file>
+
+<file path=ppt/slides/slide2.xml><?xml version="1.0" encoding="utf-8"?>
+<p:sld xmlns:a="http://schemas.openxmlformats.org/drawingml/2006/main" xmlns:r="http://schemas.openxmlformats.org/officeDocument/2006/relationships" xmlns:p="http://schemas.openxmlformats.org/presentationml/2006/main">
+  <p:cSld>
+    <p:spTree>
+      <p:nvGrpSpPr>
+        <p:cNvPr id="1" name=""/>
+        <p:cNvGrpSpPr/>
+        <p:nvPr/>
+      </p:nvGrpSpPr>
+      <p:grpSpPr>
+        <a:xfrm>
+          <a:off x="0" y="0"/>
+          <a:ext cx="0" cy="0"/>
+          <a:chOff x="0" y="0"/>
+          <a:chExt cx="0" cy="0"/>
+        </a:xfrm>
+      </p:grpSpPr>
+      <p:sp>
+        <p:nvSpPr>
+          <p:cNvPr id="4" name="矩形 3">
+            <a:extLst>
+              <a:ext uri="{FF2B5EF4-FFF2-40B4-BE49-F238E27FC236}">
+                <a16:creationId xmlns:a16="http://schemas.microsoft.com/office/drawing/2014/main" id="{3BE65C21-B530-44C4-B653-0AE3884B04E1}"/>
+              </a:ext>
+            </a:extLst>
+          </p:cNvPr>
+          <p:cNvSpPr/>
+          <p:nvPr/>
+        </p:nvSpPr>
+        <p:spPr>
+          <a:xfrm>
+            <a:off x="1847307" y="1007571"/>
+            <a:ext cx="646331" cy="369332"/>
+          </a:xfrm>
+          <a:prstGeom prst="rect">
+            <a:avLst/>
+          </a:prstGeom>
+        </p:spPr>
+        <p:txBody>
+          <a:bodyPr wrap="none">
+            <a:spAutoFit/>
+          </a:bodyPr>
+          <a:lstStyle/>
+          <a:p>
+            <a:r>
+              <a:rPr lang="zh-CN" altLang="en-US" dirty="0"/>
+              <a:t>使用</a:t>
+            </a:r>
+            <a:endParaRPr lang="en-US" dirty="0"/>
+          </a:p>
+        </p:txBody>
+      </p:sp>
+      <p:sp>
+        <p:nvSpPr>
+          <p:cNvPr id="2" name="矩形 1">
+            <a:extLst>
+              <a:ext uri="{FF2B5EF4-FFF2-40B4-BE49-F238E27FC236}">
+                <a16:creationId xmlns:a16="http://schemas.microsoft.com/office/drawing/2014/main" id="{B163567D-FB49-426D-A02E-2FF479E27374}"/>
+              </a:ext>
+            </a:extLst>
+          </p:cNvPr>
+          <p:cNvSpPr/>
+          <p:nvPr/>
+        </p:nvSpPr>
+        <p:spPr>
+          <a:xfrm>
+            <a:off x="1847307" y="1769404"/>
+            <a:ext cx="6096000" cy="646331"/>
+          </a:xfrm>
+          <a:prstGeom prst="rect">
+            <a:avLst/>
+          </a:prstGeom>
+        </p:spPr>
+        <p:txBody>
+          <a:bodyPr>
+            <a:spAutoFit/>
+          </a:bodyPr>
+          <a:lstStyle/>
+          <a:p>
+            <a:r>
+              <a:rPr lang="en-US" b="1" dirty="0">
+                <a:latin typeface="Roboto"/>
+              </a:rPr>
+              <a:t>Step 1: Install Angular Material, Angular CDK and Angular Animations</a:t>
+            </a:r>
+            <a:endParaRPr lang="en-US" b="1" i="0" dirty="0">
+              <a:effectLst/>
+              <a:latin typeface="Roboto"/>
+            </a:endParaRPr>
+          </a:p>
+        </p:txBody>
+      </p:sp>
+      <p:sp>
+        <p:nvSpPr>
+          <p:cNvPr id="3" name="矩形 2">
+            <a:extLst>
+              <a:ext uri="{FF2B5EF4-FFF2-40B4-BE49-F238E27FC236}">
+                <a16:creationId xmlns:a16="http://schemas.microsoft.com/office/drawing/2014/main" id="{ADF574F8-037E-45A6-ABB5-97CEE182914A}"/>
+              </a:ext>
+            </a:extLst>
+          </p:cNvPr>
+          <p:cNvSpPr/>
+          <p:nvPr/>
+        </p:nvSpPr>
+        <p:spPr>
+          <a:xfrm>
+            <a:off x="1847307" y="2623570"/>
+            <a:ext cx="3390672" cy="369332"/>
+          </a:xfrm>
+          <a:prstGeom prst="rect">
+            <a:avLst/>
+          </a:prstGeom>
+        </p:spPr>
+        <p:txBody>
+          <a:bodyPr wrap="none">
+            <a:spAutoFit/>
+          </a:bodyPr>
+          <a:lstStyle/>
+          <a:p>
+            <a:r>
+              <a:rPr lang="en-US" b="1" dirty="0">
+                <a:latin typeface="Roboto"/>
+              </a:rPr>
+              <a:t>Step 2: Configure animations</a:t>
+            </a:r>
+            <a:endParaRPr lang="en-US" b="1" i="0" dirty="0">
+              <a:effectLst/>
+              <a:latin typeface="Roboto"/>
+            </a:endParaRPr>
+          </a:p>
+        </p:txBody>
+      </p:sp>
+      <p:sp>
+        <p:nvSpPr>
+          <p:cNvPr id="5" name="矩形 4">
+            <a:extLst>
+              <a:ext uri="{FF2B5EF4-FFF2-40B4-BE49-F238E27FC236}">
+                <a16:creationId xmlns:a16="http://schemas.microsoft.com/office/drawing/2014/main" id="{3BDDB09E-580A-4222-BF47-94A90FF46C09}"/>
+              </a:ext>
+            </a:extLst>
+          </p:cNvPr>
+          <p:cNvSpPr/>
+          <p:nvPr/>
+        </p:nvSpPr>
+        <p:spPr>
+          <a:xfrm>
+            <a:off x="1847307" y="3244334"/>
+            <a:ext cx="4467890" cy="369332"/>
+          </a:xfrm>
+          <a:prstGeom prst="rect">
+            <a:avLst/>
+          </a:prstGeom>
+        </p:spPr>
+        <p:txBody>
+          <a:bodyPr wrap="none">
+            <a:spAutoFit/>
+          </a:bodyPr>
+          <a:lstStyle/>
+          <a:p>
+            <a:r>
+              <a:rPr lang="en-US" b="1" dirty="0">
+                <a:latin typeface="Roboto"/>
+              </a:rPr>
+              <a:t>Step 3: Import the component modules</a:t>
+            </a:r>
+            <a:endParaRPr lang="en-US" b="1" i="0" dirty="0">
+              <a:effectLst/>
+              <a:latin typeface="Roboto"/>
+            </a:endParaRPr>
+          </a:p>
+        </p:txBody>
+      </p:sp>
+      <p:sp>
+        <p:nvSpPr>
+          <p:cNvPr id="6" name="矩形 5">
+            <a:extLst>
+              <a:ext uri="{FF2B5EF4-FFF2-40B4-BE49-F238E27FC236}">
+                <a16:creationId xmlns:a16="http://schemas.microsoft.com/office/drawing/2014/main" id="{FA808F44-F35C-4C9E-BDAA-04902BB8D2F3}"/>
+              </a:ext>
+            </a:extLst>
+          </p:cNvPr>
+          <p:cNvSpPr/>
+          <p:nvPr/>
+        </p:nvSpPr>
+        <p:spPr>
+          <a:xfrm>
+            <a:off x="1847307" y="3861973"/>
+            <a:ext cx="2762295" cy="369332"/>
+          </a:xfrm>
+          <a:prstGeom prst="rect">
+            <a:avLst/>
+          </a:prstGeom>
+        </p:spPr>
+        <p:txBody>
+          <a:bodyPr wrap="none">
+            <a:spAutoFit/>
+          </a:bodyPr>
+          <a:lstStyle/>
+          <a:p>
+            <a:r>
+              <a:rPr lang="en-US" b="1" dirty="0">
+                <a:latin typeface="Roboto"/>
+              </a:rPr>
+              <a:t>Step 4: Include a theme</a:t>
+            </a:r>
+            <a:endParaRPr lang="en-US" b="1" i="0" dirty="0">
+              <a:effectLst/>
+              <a:latin typeface="Roboto"/>
+            </a:endParaRPr>
+          </a:p>
+        </p:txBody>
+      </p:sp>
+      <p:sp>
+        <p:nvSpPr>
+          <p:cNvPr id="7" name="矩形 6">
+            <a:extLst>
+              <a:ext uri="{FF2B5EF4-FFF2-40B4-BE49-F238E27FC236}">
+                <a16:creationId xmlns:a16="http://schemas.microsoft.com/office/drawing/2014/main" id="{83BBFAED-E3B2-494C-B633-287F5712D134}"/>
+              </a:ext>
+            </a:extLst>
+          </p:cNvPr>
+          <p:cNvSpPr/>
+          <p:nvPr/>
+        </p:nvSpPr>
+        <p:spPr>
+          <a:xfrm>
+            <a:off x="1847307" y="4442265"/>
+            <a:ext cx="2839239" cy="369332"/>
+          </a:xfrm>
+          <a:prstGeom prst="rect">
+            <a:avLst/>
+          </a:prstGeom>
+        </p:spPr>
+        <p:txBody>
+          <a:bodyPr wrap="none">
+            <a:spAutoFit/>
+          </a:bodyPr>
+          <a:lstStyle/>
+          <a:p>
+            <a:r>
+              <a:rPr lang="en-US" b="1" dirty="0">
+                <a:latin typeface="Roboto"/>
+              </a:rPr>
+              <a:t>Step 5: Gesture Support</a:t>
+            </a:r>
+            <a:endParaRPr lang="en-US" b="1" i="0" dirty="0">
+              <a:effectLst/>
+              <a:latin typeface="Roboto"/>
+            </a:endParaRPr>
+          </a:p>
+        </p:txBody>
+      </p:sp>
+      <p:sp>
+        <p:nvSpPr>
+          <p:cNvPr id="8" name="矩形 7">
+            <a:extLst>
+              <a:ext uri="{FF2B5EF4-FFF2-40B4-BE49-F238E27FC236}">
+                <a16:creationId xmlns:a16="http://schemas.microsoft.com/office/drawing/2014/main" id="{855BA732-0D4D-4647-9E94-9C66D2EC73D3}"/>
+              </a:ext>
+            </a:extLst>
+          </p:cNvPr>
+          <p:cNvSpPr/>
+          <p:nvPr/>
+        </p:nvSpPr>
+        <p:spPr>
+          <a:xfrm>
+            <a:off x="1847307" y="5059904"/>
+            <a:ext cx="4215641" cy="369332"/>
+          </a:xfrm>
+          <a:prstGeom prst="rect">
+            <a:avLst/>
+          </a:prstGeom>
+        </p:spPr>
+        <p:txBody>
+          <a:bodyPr wrap="none">
+            <a:spAutoFit/>
+          </a:bodyPr>
+          <a:lstStyle/>
+          <a:p>
+            <a:r>
+              <a:rPr lang="en-US" b="1" dirty="0">
+                <a:latin typeface="Roboto"/>
+              </a:rPr>
+              <a:t>Step 6 (Optional): Add Material Icons</a:t>
+            </a:r>
+            <a:endParaRPr lang="en-US" b="1" i="0" dirty="0">
+              <a:effectLst/>
+              <a:latin typeface="Roboto"/>
+            </a:endParaRPr>
+          </a:p>
+        </p:txBody>
+      </p:sp>
+    </p:spTree>
+    <p:extLst>
+      <p:ext uri="{BB962C8B-B14F-4D97-AF65-F5344CB8AC3E}">
+        <p14:creationId xmlns:p14="http://schemas.microsoft.com/office/powerpoint/2010/main" val="3450882343"/>
+      </p:ext>
+    </p:extLst>
+  </p:cSld>
+  <p:clrMapOvr>
+    <a:masterClrMapping/>
+  </p:clrMapOvr>
+</p:sld>
+</file>
+
+<file path=ppt/slides/slide3.xml><?xml version="1.0" encoding="utf-8"?>
+<p:sld xmlns:a="http://schemas.openxmlformats.org/drawingml/2006/main" xmlns:r="http://schemas.openxmlformats.org/officeDocument/2006/relationships" xmlns:p="http://schemas.openxmlformats.org/presentationml/2006/main">
+  <p:cSld>
+    <p:spTree>
+      <p:nvGrpSpPr>
+        <p:cNvPr id="1" name=""/>
+        <p:cNvGrpSpPr/>
+        <p:nvPr/>
+      </p:nvGrpSpPr>
+      <p:grpSpPr>
+        <a:xfrm>
+          <a:off x="0" y="0"/>
+          <a:ext cx="0" cy="0"/>
+          <a:chOff x="0" y="0"/>
+          <a:chExt cx="0" cy="0"/>
+        </a:xfrm>
+      </p:grpSpPr>
+      <p:sp>
+        <p:nvSpPr>
+          <p:cNvPr id="4" name="矩形 3">
+            <a:extLst>
+              <a:ext uri="{FF2B5EF4-FFF2-40B4-BE49-F238E27FC236}">
+                <a16:creationId xmlns:a16="http://schemas.microsoft.com/office/drawing/2014/main" id="{3BE65C21-B530-44C4-B653-0AE3884B04E1}"/>
+              </a:ext>
+            </a:extLst>
+          </p:cNvPr>
+          <p:cNvSpPr/>
+          <p:nvPr/>
+        </p:nvSpPr>
+        <p:spPr>
+          <a:xfrm>
+            <a:off x="1847307" y="1007571"/>
+            <a:ext cx="1354025" cy="369332"/>
+          </a:xfrm>
+          <a:prstGeom prst="rect">
+            <a:avLst/>
+          </a:prstGeom>
+        </p:spPr>
+        <p:txBody>
+          <a:bodyPr wrap="none">
+            <a:spAutoFit/>
+          </a:bodyPr>
+          <a:lstStyle/>
+          <a:p>
+            <a:r>
+              <a:rPr lang="en-US" altLang="zh-CN" dirty="0"/>
+              <a:t>components</a:t>
+            </a:r>
+            <a:endParaRPr lang="en-US" dirty="0"/>
+          </a:p>
+        </p:txBody>
+      </p:sp>
+      <p:sp>
+        <p:nvSpPr>
+          <p:cNvPr id="3" name="矩形 2">
+            <a:extLst>
+              <a:ext uri="{FF2B5EF4-FFF2-40B4-BE49-F238E27FC236}">
+                <a16:creationId xmlns:a16="http://schemas.microsoft.com/office/drawing/2014/main" id="{A4825047-8F01-4490-9558-2D4439BDAFAB}"/>
+              </a:ext>
+            </a:extLst>
+          </p:cNvPr>
+          <p:cNvSpPr/>
+          <p:nvPr/>
+        </p:nvSpPr>
+        <p:spPr>
+          <a:xfrm>
+            <a:off x="1847307" y="1713134"/>
+            <a:ext cx="6096000" cy="369332"/>
+          </a:xfrm>
+          <a:prstGeom prst="rect">
+            <a:avLst/>
+          </a:prstGeom>
+        </p:spPr>
+        <p:txBody>
+          <a:bodyPr>
+            <a:spAutoFit/>
+          </a:bodyPr>
+          <a:lstStyle/>
+          <a:p>
+            <a:r>
+              <a:rPr lang="en-US" b="1" dirty="0">
+                <a:latin typeface="Roboto"/>
+              </a:rPr>
+              <a:t>B</a:t>
+            </a:r>
+            <a:r>
+              <a:rPr lang="en-US" altLang="zh-CN" b="1" dirty="0">
+                <a:latin typeface="Roboto"/>
+              </a:rPr>
+              <a:t>utton</a:t>
+            </a:r>
+            <a:endParaRPr lang="en-US" b="1" i="0" dirty="0">
+              <a:effectLst/>
+              <a:latin typeface="Roboto"/>
+            </a:endParaRPr>
+          </a:p>
+        </p:txBody>
+      </p:sp>
+      <p:sp>
+        <p:nvSpPr>
+          <p:cNvPr id="5" name="矩形 4">
+            <a:extLst>
+              <a:ext uri="{FF2B5EF4-FFF2-40B4-BE49-F238E27FC236}">
+                <a16:creationId xmlns:a16="http://schemas.microsoft.com/office/drawing/2014/main" id="{8C6D9240-13E6-4185-B8A3-F6D9AAFE75BF}"/>
+              </a:ext>
+            </a:extLst>
+          </p:cNvPr>
+          <p:cNvSpPr/>
+          <p:nvPr/>
+        </p:nvSpPr>
+        <p:spPr>
+          <a:xfrm>
+            <a:off x="1847307" y="2234031"/>
+            <a:ext cx="6096000" cy="369332"/>
+          </a:xfrm>
+          <a:prstGeom prst="rect">
+            <a:avLst/>
+          </a:prstGeom>
+        </p:spPr>
+        <p:txBody>
+          <a:bodyPr>
+            <a:spAutoFit/>
+          </a:bodyPr>
+          <a:lstStyle/>
+          <a:p>
+            <a:r>
+              <a:rPr lang="en-US" b="1" dirty="0">
+                <a:latin typeface="Roboto"/>
+              </a:rPr>
+              <a:t>Input</a:t>
+            </a:r>
+            <a:endParaRPr lang="en-US" b="1" i="0" dirty="0">
+              <a:effectLst/>
+              <a:latin typeface="Roboto"/>
+            </a:endParaRPr>
+          </a:p>
+        </p:txBody>
+      </p:sp>
+      <p:sp>
+        <p:nvSpPr>
+          <p:cNvPr id="6" name="矩形 5">
+            <a:extLst>
+              <a:ext uri="{FF2B5EF4-FFF2-40B4-BE49-F238E27FC236}">
+                <a16:creationId xmlns:a16="http://schemas.microsoft.com/office/drawing/2014/main" id="{49D744AF-9F4E-4CF1-83CA-D3204C2EE25F}"/>
+              </a:ext>
+            </a:extLst>
+          </p:cNvPr>
+          <p:cNvSpPr/>
+          <p:nvPr/>
+        </p:nvSpPr>
+        <p:spPr>
+          <a:xfrm>
+            <a:off x="1847307" y="2754928"/>
+            <a:ext cx="6096000" cy="369332"/>
+          </a:xfrm>
+          <a:prstGeom prst="rect">
+            <a:avLst/>
+          </a:prstGeom>
+        </p:spPr>
+        <p:txBody>
+          <a:bodyPr>
+            <a:spAutoFit/>
+          </a:bodyPr>
+          <a:lstStyle/>
+          <a:p>
+            <a:r>
+              <a:rPr lang="en-US" b="1" dirty="0">
+                <a:latin typeface="Roboto"/>
+              </a:rPr>
+              <a:t>Table</a:t>
+            </a:r>
+            <a:endParaRPr lang="en-US" b="1" i="0" dirty="0">
+              <a:effectLst/>
+              <a:latin typeface="Roboto"/>
+            </a:endParaRPr>
+          </a:p>
+        </p:txBody>
+      </p:sp>
+    </p:spTree>
+    <p:extLst>
+      <p:ext uri="{BB962C8B-B14F-4D97-AF65-F5344CB8AC3E}">
+        <p14:creationId xmlns:p14="http://schemas.microsoft.com/office/powerpoint/2010/main" val="2741655952"/>
+      </p:ext>
+    </p:extLst>
+  </p:cSld>
+  <p:clrMapOvr>
+    <a:masterClrMapping/>
+  </p:clrMapOvr>
+</p:sld>
+</file>
+
+<file path=ppt/slides/slide4.xml><?xml version="1.0" encoding="utf-8"?>
+<p:sld xmlns:a="http://schemas.openxmlformats.org/drawingml/2006/main" xmlns:r="http://schemas.openxmlformats.org/officeDocument/2006/relationships" xmlns:p="http://schemas.openxmlformats.org/presentationml/2006/main">
+  <p:cSld>
+    <p:spTree>
+      <p:nvGrpSpPr>
+        <p:cNvPr id="1" name=""/>
+        <p:cNvGrpSpPr/>
+        <p:nvPr/>
+      </p:nvGrpSpPr>
+      <p:grpSpPr>
+        <a:xfrm>
+          <a:off x="0" y="0"/>
+          <a:ext cx="0" cy="0"/>
+          <a:chOff x="0" y="0"/>
+          <a:chExt cx="0" cy="0"/>
+        </a:xfrm>
+      </p:grpSpPr>
+      <p:sp>
+        <p:nvSpPr>
+          <p:cNvPr id="4" name="矩形 3">
+            <a:extLst>
+              <a:ext uri="{FF2B5EF4-FFF2-40B4-BE49-F238E27FC236}">
+                <a16:creationId xmlns:a16="http://schemas.microsoft.com/office/drawing/2014/main" id="{3BE65C21-B530-44C4-B653-0AE3884B04E1}"/>
+              </a:ext>
+            </a:extLst>
+          </p:cNvPr>
+          <p:cNvSpPr/>
+          <p:nvPr/>
+        </p:nvSpPr>
+        <p:spPr>
+          <a:xfrm>
+            <a:off x="1847307" y="1007571"/>
+            <a:ext cx="570990" cy="369332"/>
+          </a:xfrm>
+          <a:prstGeom prst="rect">
+            <a:avLst/>
+          </a:prstGeom>
+        </p:spPr>
+        <p:txBody>
+          <a:bodyPr wrap="none">
+            <a:spAutoFit/>
+          </a:bodyPr>
+          <a:lstStyle/>
+          <a:p>
+            <a:r>
+              <a:rPr lang="en-US" altLang="zh-CN" dirty="0"/>
+              <a:t>CDK</a:t>
+            </a:r>
+            <a:endParaRPr lang="en-US" dirty="0"/>
+          </a:p>
+        </p:txBody>
+      </p:sp>
+    </p:spTree>
+    <p:extLst>
+      <p:ext uri="{BB962C8B-B14F-4D97-AF65-F5344CB8AC3E}">
+        <p14:creationId xmlns:p14="http://schemas.microsoft.com/office/powerpoint/2010/main" val="607350402"/>
+      </p:ext>
+    </p:extLst>
+  </p:cSld>
+  <p:clrMapOvr>
+    <a:masterClrMapping/>
+  </p:clrMapOvr>
+</p:sld>
+</file>
+
+<file path=ppt/slides/slide5.xml><?xml version="1.0" encoding="utf-8"?>
+<p:sld xmlns:a="http://schemas.openxmlformats.org/drawingml/2006/main" xmlns:r="http://schemas.openxmlformats.org/officeDocument/2006/relationships" xmlns:p="http://schemas.openxmlformats.org/presentationml/2006/main">
+  <p:cSld>
+    <p:spTree>
+      <p:nvGrpSpPr>
+        <p:cNvPr id="1" name=""/>
+        <p:cNvGrpSpPr/>
+        <p:nvPr/>
+      </p:nvGrpSpPr>
+      <p:grpSpPr>
+        <a:xfrm>
+          <a:off x="0" y="0"/>
+          <a:ext cx="0" cy="0"/>
+          <a:chOff x="0" y="0"/>
+          <a:chExt cx="0" cy="0"/>
+        </a:xfrm>
+      </p:grpSpPr>
+      <p:sp>
+        <p:nvSpPr>
+          <p:cNvPr id="4" name="矩形 3">
+            <a:extLst>
+              <a:ext uri="{FF2B5EF4-FFF2-40B4-BE49-F238E27FC236}">
+                <a16:creationId xmlns:a16="http://schemas.microsoft.com/office/drawing/2014/main" id="{3BE65C21-B530-44C4-B653-0AE3884B04E1}"/>
+              </a:ext>
+            </a:extLst>
+          </p:cNvPr>
+          <p:cNvSpPr/>
+          <p:nvPr/>
+        </p:nvSpPr>
+        <p:spPr>
+          <a:xfrm>
+            <a:off x="1847307" y="1007571"/>
+            <a:ext cx="798617" cy="369332"/>
+          </a:xfrm>
+          <a:prstGeom prst="rect">
+            <a:avLst/>
+          </a:prstGeom>
+        </p:spPr>
+        <p:txBody>
+          <a:bodyPr wrap="none">
+            <a:spAutoFit/>
+          </a:bodyPr>
+          <a:lstStyle/>
+          <a:p>
+            <a:r>
+              <a:rPr lang="en-US" altLang="zh-CN" dirty="0"/>
+              <a:t>theme</a:t>
+            </a:r>
+            <a:endParaRPr lang="en-US" dirty="0"/>
+          </a:p>
+        </p:txBody>
+      </p:sp>
+    </p:spTree>
+    <p:extLst>
+      <p:ext uri="{BB962C8B-B14F-4D97-AF65-F5344CB8AC3E}">
+        <p14:creationId xmlns:p14="http://schemas.microsoft.com/office/powerpoint/2010/main" val="2700649166"/>
+      </p:ext>
+    </p:extLst>
+  </p:cSld>
+  <p:clrMapOvr>
+    <a:masterClrMapping/>
+  </p:clrMapOvr>
+</p:sld>
+</file>
+
+<file path=ppt/slides/slide6.xml><?xml version="1.0" encoding="utf-8"?>
+<p:sld xmlns:a="http://schemas.openxmlformats.org/drawingml/2006/main" xmlns:r="http://schemas.openxmlformats.org/officeDocument/2006/relationships" xmlns:p="http://schemas.openxmlformats.org/presentationml/2006/main">
+  <p:cSld>
+    <p:spTree>
+      <p:nvGrpSpPr>
+        <p:cNvPr id="1" name=""/>
+        <p:cNvGrpSpPr/>
+        <p:nvPr/>
+      </p:nvGrpSpPr>
+      <p:grpSpPr>
+        <a:xfrm>
+          <a:off x="0" y="0"/>
+          <a:ext cx="0" cy="0"/>
+          <a:chOff x="0" y="0"/>
+          <a:chExt cx="0" cy="0"/>
+        </a:xfrm>
+      </p:grpSpPr>
+      <p:sp>
+        <p:nvSpPr>
+          <p:cNvPr id="4" name="矩形 3">
+            <a:extLst>
+              <a:ext uri="{FF2B5EF4-FFF2-40B4-BE49-F238E27FC236}">
+                <a16:creationId xmlns:a16="http://schemas.microsoft.com/office/drawing/2014/main" id="{3BE65C21-B530-44C4-B653-0AE3884B04E1}"/>
+              </a:ext>
+            </a:extLst>
+          </p:cNvPr>
+          <p:cNvSpPr/>
+          <p:nvPr/>
+        </p:nvSpPr>
+        <p:spPr>
+          <a:xfrm>
+            <a:off x="1847307" y="1007571"/>
+            <a:ext cx="1538306" cy="2031325"/>
+          </a:xfrm>
+          <a:prstGeom prst="rect">
+            <a:avLst/>
+          </a:prstGeom>
+        </p:spPr>
+        <p:txBody>
+          <a:bodyPr wrap="none">
+            <a:spAutoFit/>
+          </a:bodyPr>
+          <a:lstStyle/>
+          <a:p>
+            <a:r>
+              <a:rPr lang="en-US" dirty="0"/>
+              <a:t>Theme</a:t>
+            </a:r>
+          </a:p>
+          <a:p>
+            <a:r>
+              <a:rPr lang="en-US" dirty="0"/>
+              <a:t>mat-elevation</a:t>
+            </a:r>
+          </a:p>
+          <a:p>
+            <a:r>
+              <a:rPr lang="en-US" dirty="0"/>
+              <a:t>animations</a:t>
+            </a:r>
+          </a:p>
+          <a:p>
+            <a:r>
+              <a:rPr lang="en-US" dirty="0" err="1"/>
+              <a:t>Sidenav</a:t>
+            </a:r>
+            <a:endParaRPr lang="en-US" dirty="0"/>
+          </a:p>
+          <a:p>
+            <a:r>
+              <a:rPr lang="en-US" dirty="0"/>
+              <a:t>Layout change</a:t>
+            </a:r>
+          </a:p>
+          <a:p>
+            <a:r>
+              <a:rPr lang="en-US" dirty="0"/>
+              <a:t>flex-layout</a:t>
+            </a:r>
+          </a:p>
+          <a:p>
+            <a:r>
+              <a:rPr lang="en-US"/>
+              <a:t>i18</a:t>
+            </a:r>
+            <a:r>
+              <a:rPr lang="en-US" dirty="0"/>
+              <a:t>n</a:t>
+            </a:r>
+            <a:endParaRPr lang="en-US"/>
+          </a:p>
+        </p:txBody>
+      </p:sp>
+    </p:spTree>
+    <p:extLst>
+      <p:ext uri="{BB962C8B-B14F-4D97-AF65-F5344CB8AC3E}">
+        <p14:creationId xmlns:p14="http://schemas.microsoft.com/office/powerpoint/2010/main" val="2786091945"/>
       </p:ext>
     </p:extLst>
   </p:cSld>

--- a/Doc/AngularMat.pptx
+++ b/Doc/AngularMat.pptx
@@ -9,8 +9,10 @@
     <p:sldId id="259" r:id="rId3"/>
     <p:sldId id="260" r:id="rId4"/>
     <p:sldId id="262" r:id="rId5"/>
-    <p:sldId id="261" r:id="rId6"/>
-    <p:sldId id="257" r:id="rId7"/>
+    <p:sldId id="263" r:id="rId6"/>
+    <p:sldId id="264" r:id="rId7"/>
+    <p:sldId id="261" r:id="rId8"/>
+    <p:sldId id="257" r:id="rId9"/>
   </p:sldIdLst>
   <p:sldSz cx="12192000" cy="6858000"/>
   <p:notesSz cx="6858000" cy="9144000"/>
@@ -266,7 +268,7 @@
           <a:p>
             <a:fld id="{34AA20A6-592D-427F-89B9-CB66581C1872}" type="datetimeFigureOut">
               <a:rPr lang="en-US" smtClean="0"/>
-              <a:t>1/21/2019</a:t>
+              <a:t>1/22/2019</a:t>
             </a:fld>
             <a:endParaRPr lang="en-US"/>
           </a:p>
@@ -466,7 +468,7 @@
           <a:p>
             <a:fld id="{34AA20A6-592D-427F-89B9-CB66581C1872}" type="datetimeFigureOut">
               <a:rPr lang="en-US" smtClean="0"/>
-              <a:t>1/21/2019</a:t>
+              <a:t>1/22/2019</a:t>
             </a:fld>
             <a:endParaRPr lang="en-US"/>
           </a:p>
@@ -676,7 +678,7 @@
           <a:p>
             <a:fld id="{34AA20A6-592D-427F-89B9-CB66581C1872}" type="datetimeFigureOut">
               <a:rPr lang="en-US" smtClean="0"/>
-              <a:t>1/21/2019</a:t>
+              <a:t>1/22/2019</a:t>
             </a:fld>
             <a:endParaRPr lang="en-US"/>
           </a:p>
@@ -876,7 +878,7 @@
           <a:p>
             <a:fld id="{34AA20A6-592D-427F-89B9-CB66581C1872}" type="datetimeFigureOut">
               <a:rPr lang="en-US" smtClean="0"/>
-              <a:t>1/21/2019</a:t>
+              <a:t>1/22/2019</a:t>
             </a:fld>
             <a:endParaRPr lang="en-US"/>
           </a:p>
@@ -1152,7 +1154,7 @@
           <a:p>
             <a:fld id="{34AA20A6-592D-427F-89B9-CB66581C1872}" type="datetimeFigureOut">
               <a:rPr lang="en-US" smtClean="0"/>
-              <a:t>1/21/2019</a:t>
+              <a:t>1/22/2019</a:t>
             </a:fld>
             <a:endParaRPr lang="en-US"/>
           </a:p>
@@ -1420,7 +1422,7 @@
           <a:p>
             <a:fld id="{34AA20A6-592D-427F-89B9-CB66581C1872}" type="datetimeFigureOut">
               <a:rPr lang="en-US" smtClean="0"/>
-              <a:t>1/21/2019</a:t>
+              <a:t>1/22/2019</a:t>
             </a:fld>
             <a:endParaRPr lang="en-US"/>
           </a:p>
@@ -1835,7 +1837,7 @@
           <a:p>
             <a:fld id="{34AA20A6-592D-427F-89B9-CB66581C1872}" type="datetimeFigureOut">
               <a:rPr lang="en-US" smtClean="0"/>
-              <a:t>1/21/2019</a:t>
+              <a:t>1/22/2019</a:t>
             </a:fld>
             <a:endParaRPr lang="en-US"/>
           </a:p>
@@ -1977,7 +1979,7 @@
           <a:p>
             <a:fld id="{34AA20A6-592D-427F-89B9-CB66581C1872}" type="datetimeFigureOut">
               <a:rPr lang="en-US" smtClean="0"/>
-              <a:t>1/21/2019</a:t>
+              <a:t>1/22/2019</a:t>
             </a:fld>
             <a:endParaRPr lang="en-US"/>
           </a:p>
@@ -2090,7 +2092,7 @@
           <a:p>
             <a:fld id="{34AA20A6-592D-427F-89B9-CB66581C1872}" type="datetimeFigureOut">
               <a:rPr lang="en-US" smtClean="0"/>
-              <a:t>1/21/2019</a:t>
+              <a:t>1/22/2019</a:t>
             </a:fld>
             <a:endParaRPr lang="en-US"/>
           </a:p>
@@ -2403,7 +2405,7 @@
           <a:p>
             <a:fld id="{34AA20A6-592D-427F-89B9-CB66581C1872}" type="datetimeFigureOut">
               <a:rPr lang="en-US" smtClean="0"/>
-              <a:t>1/21/2019</a:t>
+              <a:t>1/22/2019</a:t>
             </a:fld>
             <a:endParaRPr lang="en-US"/>
           </a:p>
@@ -2692,7 +2694,7 @@
           <a:p>
             <a:fld id="{34AA20A6-592D-427F-89B9-CB66581C1872}" type="datetimeFigureOut">
               <a:rPr lang="en-US" smtClean="0"/>
-              <a:t>1/21/2019</a:t>
+              <a:t>1/22/2019</a:t>
             </a:fld>
             <a:endParaRPr lang="en-US"/>
           </a:p>
@@ -2935,7 +2937,7 @@
           <a:p>
             <a:fld id="{34AA20A6-592D-427F-89B9-CB66581C1872}" type="datetimeFigureOut">
               <a:rPr lang="en-US" smtClean="0"/>
-              <a:t>1/21/2019</a:t>
+              <a:t>1/22/2019</a:t>
             </a:fld>
             <a:endParaRPr lang="en-US"/>
           </a:p>
@@ -3391,6 +3393,46 @@
           </a:p>
         </p:txBody>
       </p:sp>
+      <p:sp>
+        <p:nvSpPr>
+          <p:cNvPr id="2" name="矩形 1">
+            <a:extLst>
+              <a:ext uri="{FF2B5EF4-FFF2-40B4-BE49-F238E27FC236}">
+                <a16:creationId xmlns:a16="http://schemas.microsoft.com/office/drawing/2014/main" id="{A246308C-2039-4D42-9781-02219C0A8D5E}"/>
+              </a:ext>
+            </a:extLst>
+          </p:cNvPr>
+          <p:cNvSpPr/>
+          <p:nvPr/>
+        </p:nvSpPr>
+        <p:spPr>
+          <a:xfrm>
+            <a:off x="1847307" y="1576811"/>
+            <a:ext cx="6096000" cy="1200329"/>
+          </a:xfrm>
+          <a:prstGeom prst="rect">
+            <a:avLst/>
+          </a:prstGeom>
+        </p:spPr>
+        <p:txBody>
+          <a:bodyPr>
+            <a:spAutoFit/>
+          </a:bodyPr>
+          <a:lstStyle/>
+          <a:p>
+            <a:r>
+              <a:rPr lang="en-US" dirty="0">
+                <a:solidFill>
+                  <a:srgbClr val="444444"/>
+                </a:solidFill>
+                <a:latin typeface="Open Sans Pro"/>
+              </a:rPr>
+              <a:t>it’s a library that provides you with high-quality Material Design components for Angular. Material Design itself is a visual design language that aims for consistency of user experience across all platforms and device sizes.</a:t>
+            </a:r>
+            <a:endParaRPr lang="en-US" dirty="0"/>
+          </a:p>
+        </p:txBody>
+      </p:sp>
     </p:spTree>
     <p:extLst>
       <p:ext uri="{BB962C8B-B14F-4D97-AF65-F5344CB8AC3E}">
@@ -3952,6 +3994,83 @@
           </a:p>
         </p:txBody>
       </p:sp>
+      <p:sp>
+        <p:nvSpPr>
+          <p:cNvPr id="2" name="矩形 1">
+            <a:extLst>
+              <a:ext uri="{FF2B5EF4-FFF2-40B4-BE49-F238E27FC236}">
+                <a16:creationId xmlns:a16="http://schemas.microsoft.com/office/drawing/2014/main" id="{A8963E24-3EC1-4C28-85CF-C751E59BAE4A}"/>
+              </a:ext>
+            </a:extLst>
+          </p:cNvPr>
+          <p:cNvSpPr/>
+          <p:nvPr/>
+        </p:nvSpPr>
+        <p:spPr>
+          <a:xfrm>
+            <a:off x="1847307" y="1673108"/>
+            <a:ext cx="9294304" cy="646331"/>
+          </a:xfrm>
+          <a:prstGeom prst="rect">
+            <a:avLst/>
+          </a:prstGeom>
+        </p:spPr>
+        <p:txBody>
+          <a:bodyPr wrap="square">
+            <a:spAutoFit/>
+          </a:bodyPr>
+          <a:lstStyle/>
+          <a:p>
+            <a:r>
+              <a:rPr lang="en-US" dirty="0">
+                <a:solidFill>
+                  <a:srgbClr val="444444"/>
+                </a:solidFill>
+                <a:latin typeface="Open Sans Pro"/>
+              </a:rPr>
+              <a:t>The CDK provides us with tools to build awesome and high-quality Angular components without adopting the Material Design visual language. </a:t>
+            </a:r>
+            <a:endParaRPr lang="en-US" dirty="0"/>
+          </a:p>
+        </p:txBody>
+      </p:sp>
+      <p:sp>
+        <p:nvSpPr>
+          <p:cNvPr id="3" name="矩形 2">
+            <a:extLst>
+              <a:ext uri="{FF2B5EF4-FFF2-40B4-BE49-F238E27FC236}">
+                <a16:creationId xmlns:a16="http://schemas.microsoft.com/office/drawing/2014/main" id="{814DF3D3-153D-4509-A288-B3658FC77CCC}"/>
+              </a:ext>
+            </a:extLst>
+          </p:cNvPr>
+          <p:cNvSpPr/>
+          <p:nvPr/>
+        </p:nvSpPr>
+        <p:spPr>
+          <a:xfrm>
+            <a:off x="1847307" y="2876568"/>
+            <a:ext cx="9294304" cy="1477328"/>
+          </a:xfrm>
+          <a:prstGeom prst="rect">
+            <a:avLst/>
+          </a:prstGeom>
+        </p:spPr>
+        <p:txBody>
+          <a:bodyPr wrap="square">
+            <a:spAutoFit/>
+          </a:bodyPr>
+          <a:lstStyle/>
+          <a:p>
+            <a:r>
+              <a:rPr lang="en-US" dirty="0">
+                <a:latin typeface="Roboto"/>
+              </a:rPr>
+              <a:t>The Component Dev Kit (CDK) is a set of tools that implement common interaction patterns whilst being unopinionated about their presentation. It represents an abstraction of the core functionalities found in the Angular Material library, without any styling specific to Material Design. Think of the CDK as a blank state of well-tested functionality upon which you can develop your own bespoke components.</a:t>
+            </a:r>
+            <a:endParaRPr lang="en-US" dirty="0"/>
+          </a:p>
+        </p:txBody>
+      </p:sp>
     </p:spTree>
     <p:extLst>
       <p:ext uri="{BB962C8B-B14F-4D97-AF65-F5344CB8AC3E}">
@@ -3997,6 +4116,692 @@
         <p:spPr>
           <a:xfrm>
             <a:off x="1847307" y="1007571"/>
+            <a:ext cx="866391" cy="369332"/>
+          </a:xfrm>
+          <a:prstGeom prst="rect">
+            <a:avLst/>
+          </a:prstGeom>
+        </p:spPr>
+        <p:txBody>
+          <a:bodyPr wrap="none">
+            <a:spAutoFit/>
+          </a:bodyPr>
+          <a:lstStyle/>
+          <a:p>
+            <a:r>
+              <a:rPr lang="en-US" altLang="zh-CN" dirty="0"/>
+              <a:t>overlay</a:t>
+            </a:r>
+            <a:endParaRPr lang="en-US" dirty="0"/>
+          </a:p>
+        </p:txBody>
+      </p:sp>
+      <p:sp>
+        <p:nvSpPr>
+          <p:cNvPr id="2" name="Rectangle 1">
+            <a:extLst>
+              <a:ext uri="{FF2B5EF4-FFF2-40B4-BE49-F238E27FC236}">
+                <a16:creationId xmlns:a16="http://schemas.microsoft.com/office/drawing/2014/main" id="{BA59BF52-49A9-48EF-8E27-8B203030CB76}"/>
+              </a:ext>
+            </a:extLst>
+          </p:cNvPr>
+          <p:cNvSpPr>
+            <a:spLocks noChangeArrowheads="1"/>
+          </p:cNvSpPr>
+          <p:nvPr/>
+        </p:nvSpPr>
+        <p:spPr bwMode="auto">
+          <a:xfrm>
+            <a:off x="1847307" y="1520595"/>
+            <a:ext cx="3868615" cy="461665"/>
+          </a:xfrm>
+          <a:prstGeom prst="rect">
+            <a:avLst/>
+          </a:prstGeom>
+          <a:noFill/>
+          <a:ln>
+            <a:noFill/>
+          </a:ln>
+          <a:effectLst/>
+          <a:extLst>
+            <a:ext uri="{909E8E84-426E-40DD-AFC4-6F175D3DCCD1}">
+              <a14:hiddenFill xmlns:a14="http://schemas.microsoft.com/office/drawing/2010/main">
+                <a:solidFill>
+                  <a:schemeClr val="accent1"/>
+                </a:solidFill>
+              </a14:hiddenFill>
+            </a:ext>
+            <a:ext uri="{91240B29-F687-4F45-9708-019B960494DF}">
+              <a14:hiddenLine xmlns:a14="http://schemas.microsoft.com/office/drawing/2010/main" w="9525">
+                <a:solidFill>
+                  <a:schemeClr val="tx1"/>
+                </a:solidFill>
+                <a:miter lim="800000"/>
+                <a:headEnd/>
+                <a:tailEnd/>
+              </a14:hiddenLine>
+            </a:ext>
+            <a:ext uri="{AF507438-7753-43E0-B8FC-AC1667EBCBE1}">
+              <a14:hiddenEffects xmlns:a14="http://schemas.microsoft.com/office/drawing/2010/main">
+                <a:effectLst>
+                  <a:outerShdw dist="35921" dir="2700000" algn="ctr" rotWithShape="0">
+                    <a:schemeClr val="bg2"/>
+                  </a:outerShdw>
+                </a:effectLst>
+              </a14:hiddenEffects>
+            </a:ext>
+          </a:extLst>
+        </p:spPr>
+        <p:txBody>
+          <a:bodyPr vert="horz" wrap="square" lIns="91440" tIns="45720" rIns="91440" bIns="45720" numCol="1" anchor="ctr" anchorCtr="0" compatLnSpc="1">
+            <a:prstTxWarp prst="textNoShape">
+              <a:avLst/>
+            </a:prstTxWarp>
+            <a:spAutoFit/>
+          </a:bodyPr>
+          <a:lstStyle>
+            <a:lvl1pPr eaLnBrk="0" fontAlgn="base" hangingPunct="0">
+              <a:spcBef>
+                <a:spcPct val="0"/>
+              </a:spcBef>
+              <a:spcAft>
+                <a:spcPct val="0"/>
+              </a:spcAft>
+              <a:defRPr>
+                <a:solidFill>
+                  <a:schemeClr val="tx1"/>
+                </a:solidFill>
+                <a:latin typeface="Arial" panose="020B0604020202020204" pitchFamily="34" charset="0"/>
+              </a:defRPr>
+            </a:lvl1pPr>
+            <a:lvl2pPr eaLnBrk="0" fontAlgn="base" hangingPunct="0">
+              <a:spcBef>
+                <a:spcPct val="0"/>
+              </a:spcBef>
+              <a:spcAft>
+                <a:spcPct val="0"/>
+              </a:spcAft>
+              <a:defRPr>
+                <a:solidFill>
+                  <a:schemeClr val="tx1"/>
+                </a:solidFill>
+                <a:latin typeface="Arial" panose="020B0604020202020204" pitchFamily="34" charset="0"/>
+              </a:defRPr>
+            </a:lvl2pPr>
+            <a:lvl3pPr eaLnBrk="0" fontAlgn="base" hangingPunct="0">
+              <a:spcBef>
+                <a:spcPct val="0"/>
+              </a:spcBef>
+              <a:spcAft>
+                <a:spcPct val="0"/>
+              </a:spcAft>
+              <a:defRPr>
+                <a:solidFill>
+                  <a:schemeClr val="tx1"/>
+                </a:solidFill>
+                <a:latin typeface="Arial" panose="020B0604020202020204" pitchFamily="34" charset="0"/>
+              </a:defRPr>
+            </a:lvl3pPr>
+            <a:lvl4pPr eaLnBrk="0" fontAlgn="base" hangingPunct="0">
+              <a:spcBef>
+                <a:spcPct val="0"/>
+              </a:spcBef>
+              <a:spcAft>
+                <a:spcPct val="0"/>
+              </a:spcAft>
+              <a:defRPr>
+                <a:solidFill>
+                  <a:schemeClr val="tx1"/>
+                </a:solidFill>
+                <a:latin typeface="Arial" panose="020B0604020202020204" pitchFamily="34" charset="0"/>
+              </a:defRPr>
+            </a:lvl4pPr>
+            <a:lvl5pPr eaLnBrk="0" fontAlgn="base" hangingPunct="0">
+              <a:spcBef>
+                <a:spcPct val="0"/>
+              </a:spcBef>
+              <a:spcAft>
+                <a:spcPct val="0"/>
+              </a:spcAft>
+              <a:defRPr>
+                <a:solidFill>
+                  <a:schemeClr val="tx1"/>
+                </a:solidFill>
+                <a:latin typeface="Arial" panose="020B0604020202020204" pitchFamily="34" charset="0"/>
+              </a:defRPr>
+            </a:lvl5pPr>
+            <a:lvl6pPr eaLnBrk="0" fontAlgn="base" hangingPunct="0">
+              <a:spcBef>
+                <a:spcPct val="0"/>
+              </a:spcBef>
+              <a:spcAft>
+                <a:spcPct val="0"/>
+              </a:spcAft>
+              <a:defRPr>
+                <a:solidFill>
+                  <a:schemeClr val="tx1"/>
+                </a:solidFill>
+                <a:latin typeface="Arial" panose="020B0604020202020204" pitchFamily="34" charset="0"/>
+              </a:defRPr>
+            </a:lvl6pPr>
+            <a:lvl7pPr eaLnBrk="0" fontAlgn="base" hangingPunct="0">
+              <a:spcBef>
+                <a:spcPct val="0"/>
+              </a:spcBef>
+              <a:spcAft>
+                <a:spcPct val="0"/>
+              </a:spcAft>
+              <a:defRPr>
+                <a:solidFill>
+                  <a:schemeClr val="tx1"/>
+                </a:solidFill>
+                <a:latin typeface="Arial" panose="020B0604020202020204" pitchFamily="34" charset="0"/>
+              </a:defRPr>
+            </a:lvl7pPr>
+            <a:lvl8pPr eaLnBrk="0" fontAlgn="base" hangingPunct="0">
+              <a:spcBef>
+                <a:spcPct val="0"/>
+              </a:spcBef>
+              <a:spcAft>
+                <a:spcPct val="0"/>
+              </a:spcAft>
+              <a:defRPr>
+                <a:solidFill>
+                  <a:schemeClr val="tx1"/>
+                </a:solidFill>
+                <a:latin typeface="Arial" panose="020B0604020202020204" pitchFamily="34" charset="0"/>
+              </a:defRPr>
+            </a:lvl8pPr>
+            <a:lvl9pPr eaLnBrk="0" fontAlgn="base" hangingPunct="0">
+              <a:spcBef>
+                <a:spcPct val="0"/>
+              </a:spcBef>
+              <a:spcAft>
+                <a:spcPct val="0"/>
+              </a:spcAft>
+              <a:defRPr>
+                <a:solidFill>
+                  <a:schemeClr val="tx1"/>
+                </a:solidFill>
+                <a:latin typeface="Arial" panose="020B0604020202020204" pitchFamily="34" charset="0"/>
+              </a:defRPr>
+            </a:lvl9pPr>
+          </a:lstStyle>
+          <a:p>
+            <a:pPr marL="0" marR="0" lvl="0" indent="0" algn="l" defTabSz="914400" rtl="0" eaLnBrk="0" fontAlgn="base" latinLnBrk="0" hangingPunct="0">
+              <a:lnSpc>
+                <a:spcPct val="100000"/>
+              </a:lnSpc>
+              <a:spcBef>
+                <a:spcPct val="0"/>
+              </a:spcBef>
+              <a:spcAft>
+                <a:spcPct val="0"/>
+              </a:spcAft>
+              <a:buClrTx/>
+              <a:buSzTx/>
+              <a:buFontTx/>
+              <a:buNone/>
+              <a:tabLst/>
+            </a:pPr>
+            <a:r>
+              <a:rPr kumimoji="0" lang="en-US" altLang="en-US" sz="1600" b="0" i="0" u="none" strike="noStrike" cap="none" normalizeH="0" baseline="0">
+                <a:ln>
+                  <a:noFill/>
+                </a:ln>
+                <a:solidFill>
+                  <a:schemeClr val="tx1"/>
+                </a:solidFill>
+                <a:effectLst/>
+                <a:latin typeface="Arial Unicode MS"/>
+                <a:ea typeface="Roboto Mono"/>
+              </a:rPr>
+              <a:t>GlobalPositionStrategy</a:t>
+            </a:r>
+            <a:r>
+              <a:rPr kumimoji="0" lang="en-US" altLang="en-US" sz="2400" b="0" i="0" u="none" strike="noStrike" cap="none" normalizeH="0" baseline="0">
+                <a:ln>
+                  <a:noFill/>
+                </a:ln>
+                <a:solidFill>
+                  <a:schemeClr val="tx1"/>
+                </a:solidFill>
+                <a:effectLst/>
+                <a:ea typeface="Roboto"/>
+              </a:rPr>
+              <a:t> </a:t>
+            </a:r>
+            <a:r>
+              <a:rPr kumimoji="0" lang="en-US" altLang="en-US" sz="2000" b="0" i="0" u="none" strike="noStrike" cap="none" normalizeH="0" baseline="0">
+                <a:ln>
+                  <a:noFill/>
+                </a:ln>
+                <a:solidFill>
+                  <a:schemeClr val="tx1"/>
+                </a:solidFill>
+                <a:effectLst/>
+                <a:latin typeface="Arial" panose="020B0604020202020204" pitchFamily="34" charset="0"/>
+              </a:rPr>
+              <a:t> </a:t>
+            </a:r>
+            <a:endParaRPr kumimoji="0" lang="en-US" altLang="en-US" sz="3600" b="0" i="0" u="none" strike="noStrike" cap="none" normalizeH="0" baseline="0">
+              <a:ln>
+                <a:noFill/>
+              </a:ln>
+              <a:solidFill>
+                <a:schemeClr val="tx1"/>
+              </a:solidFill>
+              <a:effectLst/>
+              <a:latin typeface="Arial" panose="020B0604020202020204" pitchFamily="34" charset="0"/>
+            </a:endParaRPr>
+          </a:p>
+        </p:txBody>
+      </p:sp>
+      <p:sp>
+        <p:nvSpPr>
+          <p:cNvPr id="3" name="Rectangle 2">
+            <a:extLst>
+              <a:ext uri="{FF2B5EF4-FFF2-40B4-BE49-F238E27FC236}">
+                <a16:creationId xmlns:a16="http://schemas.microsoft.com/office/drawing/2014/main" id="{5CDDB95B-C80D-4313-BA31-27ED4667648D}"/>
+              </a:ext>
+            </a:extLst>
+          </p:cNvPr>
+          <p:cNvSpPr>
+            <a:spLocks noChangeArrowheads="1"/>
+          </p:cNvSpPr>
+          <p:nvPr/>
+        </p:nvSpPr>
+        <p:spPr bwMode="auto">
+          <a:xfrm>
+            <a:off x="1847306" y="2182606"/>
+            <a:ext cx="9955487" cy="707886"/>
+          </a:xfrm>
+          <a:prstGeom prst="rect">
+            <a:avLst/>
+          </a:prstGeom>
+          <a:noFill/>
+          <a:ln>
+            <a:noFill/>
+          </a:ln>
+          <a:effectLst/>
+          <a:extLst>
+            <a:ext uri="{909E8E84-426E-40DD-AFC4-6F175D3DCCD1}">
+              <a14:hiddenFill xmlns:a14="http://schemas.microsoft.com/office/drawing/2010/main">
+                <a:solidFill>
+                  <a:schemeClr val="accent1"/>
+                </a:solidFill>
+              </a14:hiddenFill>
+            </a:ext>
+            <a:ext uri="{91240B29-F687-4F45-9708-019B960494DF}">
+              <a14:hiddenLine xmlns:a14="http://schemas.microsoft.com/office/drawing/2010/main" w="9525">
+                <a:solidFill>
+                  <a:schemeClr val="tx1"/>
+                </a:solidFill>
+                <a:miter lim="800000"/>
+                <a:headEnd/>
+                <a:tailEnd/>
+              </a14:hiddenLine>
+            </a:ext>
+            <a:ext uri="{AF507438-7753-43E0-B8FC-AC1667EBCBE1}">
+              <a14:hiddenEffects xmlns:a14="http://schemas.microsoft.com/office/drawing/2010/main">
+                <a:effectLst>
+                  <a:outerShdw dist="35921" dir="2700000" algn="ctr" rotWithShape="0">
+                    <a:schemeClr val="bg2"/>
+                  </a:outerShdw>
+                </a:effectLst>
+              </a14:hiddenEffects>
+            </a:ext>
+          </a:extLst>
+        </p:spPr>
+        <p:txBody>
+          <a:bodyPr vert="horz" wrap="square" lIns="91440" tIns="45720" rIns="91440" bIns="45720" numCol="1" anchor="ctr" anchorCtr="0" compatLnSpc="1">
+            <a:prstTxWarp prst="textNoShape">
+              <a:avLst/>
+            </a:prstTxWarp>
+            <a:spAutoFit/>
+          </a:bodyPr>
+          <a:lstStyle>
+            <a:lvl1pPr eaLnBrk="0" fontAlgn="base" hangingPunct="0">
+              <a:spcBef>
+                <a:spcPct val="0"/>
+              </a:spcBef>
+              <a:spcAft>
+                <a:spcPct val="0"/>
+              </a:spcAft>
+              <a:defRPr>
+                <a:solidFill>
+                  <a:schemeClr val="tx1"/>
+                </a:solidFill>
+                <a:latin typeface="Arial" panose="020B0604020202020204" pitchFamily="34" charset="0"/>
+              </a:defRPr>
+            </a:lvl1pPr>
+            <a:lvl2pPr eaLnBrk="0" fontAlgn="base" hangingPunct="0">
+              <a:spcBef>
+                <a:spcPct val="0"/>
+              </a:spcBef>
+              <a:spcAft>
+                <a:spcPct val="0"/>
+              </a:spcAft>
+              <a:defRPr>
+                <a:solidFill>
+                  <a:schemeClr val="tx1"/>
+                </a:solidFill>
+                <a:latin typeface="Arial" panose="020B0604020202020204" pitchFamily="34" charset="0"/>
+              </a:defRPr>
+            </a:lvl2pPr>
+            <a:lvl3pPr eaLnBrk="0" fontAlgn="base" hangingPunct="0">
+              <a:spcBef>
+                <a:spcPct val="0"/>
+              </a:spcBef>
+              <a:spcAft>
+                <a:spcPct val="0"/>
+              </a:spcAft>
+              <a:defRPr>
+                <a:solidFill>
+                  <a:schemeClr val="tx1"/>
+                </a:solidFill>
+                <a:latin typeface="Arial" panose="020B0604020202020204" pitchFamily="34" charset="0"/>
+              </a:defRPr>
+            </a:lvl3pPr>
+            <a:lvl4pPr eaLnBrk="0" fontAlgn="base" hangingPunct="0">
+              <a:spcBef>
+                <a:spcPct val="0"/>
+              </a:spcBef>
+              <a:spcAft>
+                <a:spcPct val="0"/>
+              </a:spcAft>
+              <a:defRPr>
+                <a:solidFill>
+                  <a:schemeClr val="tx1"/>
+                </a:solidFill>
+                <a:latin typeface="Arial" panose="020B0604020202020204" pitchFamily="34" charset="0"/>
+              </a:defRPr>
+            </a:lvl4pPr>
+            <a:lvl5pPr eaLnBrk="0" fontAlgn="base" hangingPunct="0">
+              <a:spcBef>
+                <a:spcPct val="0"/>
+              </a:spcBef>
+              <a:spcAft>
+                <a:spcPct val="0"/>
+              </a:spcAft>
+              <a:defRPr>
+                <a:solidFill>
+                  <a:schemeClr val="tx1"/>
+                </a:solidFill>
+                <a:latin typeface="Arial" panose="020B0604020202020204" pitchFamily="34" charset="0"/>
+              </a:defRPr>
+            </a:lvl5pPr>
+            <a:lvl6pPr eaLnBrk="0" fontAlgn="base" hangingPunct="0">
+              <a:spcBef>
+                <a:spcPct val="0"/>
+              </a:spcBef>
+              <a:spcAft>
+                <a:spcPct val="0"/>
+              </a:spcAft>
+              <a:defRPr>
+                <a:solidFill>
+                  <a:schemeClr val="tx1"/>
+                </a:solidFill>
+                <a:latin typeface="Arial" panose="020B0604020202020204" pitchFamily="34" charset="0"/>
+              </a:defRPr>
+            </a:lvl6pPr>
+            <a:lvl7pPr eaLnBrk="0" fontAlgn="base" hangingPunct="0">
+              <a:spcBef>
+                <a:spcPct val="0"/>
+              </a:spcBef>
+              <a:spcAft>
+                <a:spcPct val="0"/>
+              </a:spcAft>
+              <a:defRPr>
+                <a:solidFill>
+                  <a:schemeClr val="tx1"/>
+                </a:solidFill>
+                <a:latin typeface="Arial" panose="020B0604020202020204" pitchFamily="34" charset="0"/>
+              </a:defRPr>
+            </a:lvl7pPr>
+            <a:lvl8pPr eaLnBrk="0" fontAlgn="base" hangingPunct="0">
+              <a:spcBef>
+                <a:spcPct val="0"/>
+              </a:spcBef>
+              <a:spcAft>
+                <a:spcPct val="0"/>
+              </a:spcAft>
+              <a:defRPr>
+                <a:solidFill>
+                  <a:schemeClr val="tx1"/>
+                </a:solidFill>
+                <a:latin typeface="Arial" panose="020B0604020202020204" pitchFamily="34" charset="0"/>
+              </a:defRPr>
+            </a:lvl8pPr>
+            <a:lvl9pPr eaLnBrk="0" fontAlgn="base" hangingPunct="0">
+              <a:spcBef>
+                <a:spcPct val="0"/>
+              </a:spcBef>
+              <a:spcAft>
+                <a:spcPct val="0"/>
+              </a:spcAft>
+              <a:defRPr>
+                <a:solidFill>
+                  <a:schemeClr val="tx1"/>
+                </a:solidFill>
+                <a:latin typeface="Arial" panose="020B0604020202020204" pitchFamily="34" charset="0"/>
+              </a:defRPr>
+            </a:lvl9pPr>
+          </a:lstStyle>
+          <a:p>
+            <a:pPr marL="0" marR="0" lvl="0" indent="0" algn="l" defTabSz="914400" rtl="0" eaLnBrk="0" fontAlgn="base" latinLnBrk="0" hangingPunct="0">
+              <a:lnSpc>
+                <a:spcPct val="100000"/>
+              </a:lnSpc>
+              <a:spcBef>
+                <a:spcPct val="0"/>
+              </a:spcBef>
+              <a:spcAft>
+                <a:spcPct val="0"/>
+              </a:spcAft>
+              <a:buClrTx/>
+              <a:buSzTx/>
+              <a:buFontTx/>
+              <a:buNone/>
+              <a:tabLst/>
+            </a:pPr>
+            <a:r>
+              <a:rPr kumimoji="0" lang="en-US" altLang="en-US" sz="1600" b="0" i="0" u="none" strike="noStrike" cap="none" normalizeH="0" baseline="0" dirty="0" err="1">
+                <a:ln>
+                  <a:noFill/>
+                </a:ln>
+                <a:solidFill>
+                  <a:schemeClr val="tx1"/>
+                </a:solidFill>
+                <a:effectLst/>
+                <a:latin typeface="Arial Unicode MS"/>
+                <a:ea typeface="Roboto Mono"/>
+              </a:rPr>
+              <a:t>ConnectedPositionStrategy</a:t>
+            </a:r>
+            <a:endParaRPr kumimoji="0" lang="en-US" altLang="en-US" sz="1600" b="0" i="0" u="none" strike="noStrike" cap="none" normalizeH="0" baseline="0" dirty="0">
+              <a:ln>
+                <a:noFill/>
+              </a:ln>
+              <a:solidFill>
+                <a:schemeClr val="tx1"/>
+              </a:solidFill>
+              <a:effectLst/>
+              <a:latin typeface="Arial Unicode MS"/>
+              <a:ea typeface="Roboto Mono"/>
+            </a:endParaRPr>
+          </a:p>
+          <a:p>
+            <a:pPr lvl="0"/>
+            <a:r>
+              <a:rPr lang="en-US" altLang="en-US" sz="1600" dirty="0">
+                <a:latin typeface="Arial Unicode MS"/>
+                <a:ea typeface="Roboto"/>
+              </a:rPr>
+              <a:t>	</a:t>
+            </a:r>
+            <a:r>
+              <a:rPr lang="en-US" altLang="en-US" sz="1600" dirty="0" err="1">
+                <a:latin typeface="Arial Unicode MS"/>
+                <a:ea typeface="Roboto"/>
+              </a:rPr>
+              <a:t>FlexibleConnectedPositionStrategy</a:t>
+            </a:r>
+            <a:r>
+              <a:rPr lang="en-US" altLang="en-US" sz="1600" dirty="0">
+                <a:latin typeface="Arial Unicode MS"/>
+                <a:ea typeface="Roboto"/>
+              </a:rPr>
+              <a:t> </a:t>
+            </a:r>
+            <a:r>
+              <a:rPr kumimoji="0" lang="en-US" altLang="en-US" sz="2400" b="0" i="0" u="none" strike="noStrike" cap="none" normalizeH="0" baseline="0" dirty="0">
+                <a:ln>
+                  <a:noFill/>
+                </a:ln>
+                <a:solidFill>
+                  <a:schemeClr val="tx1"/>
+                </a:solidFill>
+                <a:effectLst/>
+                <a:ea typeface="Roboto"/>
+              </a:rPr>
+              <a:t> </a:t>
+            </a:r>
+            <a:r>
+              <a:rPr kumimoji="0" lang="en-US" altLang="en-US" sz="2000" b="0" i="0" u="none" strike="noStrike" cap="none" normalizeH="0" baseline="0" dirty="0">
+                <a:ln>
+                  <a:noFill/>
+                </a:ln>
+                <a:solidFill>
+                  <a:schemeClr val="tx1"/>
+                </a:solidFill>
+                <a:effectLst/>
+                <a:latin typeface="Arial" panose="020B0604020202020204" pitchFamily="34" charset="0"/>
+              </a:rPr>
+              <a:t> </a:t>
+            </a:r>
+            <a:endParaRPr kumimoji="0" lang="en-US" altLang="en-US" sz="3600" b="0" i="0" u="none" strike="noStrike" cap="none" normalizeH="0" baseline="0" dirty="0">
+              <a:ln>
+                <a:noFill/>
+              </a:ln>
+              <a:solidFill>
+                <a:schemeClr val="tx1"/>
+              </a:solidFill>
+              <a:effectLst/>
+              <a:latin typeface="Arial" panose="020B0604020202020204" pitchFamily="34" charset="0"/>
+            </a:endParaRPr>
+          </a:p>
+        </p:txBody>
+      </p:sp>
+      <p:sp>
+        <p:nvSpPr>
+          <p:cNvPr id="7" name="矩形 6">
+            <a:extLst>
+              <a:ext uri="{FF2B5EF4-FFF2-40B4-BE49-F238E27FC236}">
+                <a16:creationId xmlns:a16="http://schemas.microsoft.com/office/drawing/2014/main" id="{9DCE3757-1E68-41A7-A253-75D75A37655E}"/>
+              </a:ext>
+            </a:extLst>
+          </p:cNvPr>
+          <p:cNvSpPr/>
+          <p:nvPr/>
+        </p:nvSpPr>
+        <p:spPr>
+          <a:xfrm>
+            <a:off x="1847306" y="5527263"/>
+            <a:ext cx="6096000" cy="646331"/>
+          </a:xfrm>
+          <a:prstGeom prst="rect">
+            <a:avLst/>
+          </a:prstGeom>
+        </p:spPr>
+        <p:txBody>
+          <a:bodyPr>
+            <a:spAutoFit/>
+          </a:bodyPr>
+          <a:lstStyle/>
+          <a:p>
+            <a:r>
+              <a:rPr lang="en-US" dirty="0"/>
+              <a:t>https://blog.thoughtram.io/angular/2017/11/20/custom-overlays-with-angulars-cdk.html</a:t>
+            </a:r>
+          </a:p>
+        </p:txBody>
+      </p:sp>
+    </p:spTree>
+    <p:extLst>
+      <p:ext uri="{BB962C8B-B14F-4D97-AF65-F5344CB8AC3E}">
+        <p14:creationId xmlns:p14="http://schemas.microsoft.com/office/powerpoint/2010/main" val="3672915983"/>
+      </p:ext>
+    </p:extLst>
+  </p:cSld>
+  <p:clrMapOvr>
+    <a:masterClrMapping/>
+  </p:clrMapOvr>
+</p:sld>
+</file>
+
+<file path=ppt/slides/slide6.xml><?xml version="1.0" encoding="utf-8"?>
+<p:sld xmlns:a="http://schemas.openxmlformats.org/drawingml/2006/main" xmlns:r="http://schemas.openxmlformats.org/officeDocument/2006/relationships" xmlns:p="http://schemas.openxmlformats.org/presentationml/2006/main">
+  <p:cSld>
+    <p:spTree>
+      <p:nvGrpSpPr>
+        <p:cNvPr id="1" name=""/>
+        <p:cNvGrpSpPr/>
+        <p:nvPr/>
+      </p:nvGrpSpPr>
+      <p:grpSpPr>
+        <a:xfrm>
+          <a:off x="0" y="0"/>
+          <a:ext cx="0" cy="0"/>
+          <a:chOff x="0" y="0"/>
+          <a:chExt cx="0" cy="0"/>
+        </a:xfrm>
+      </p:grpSpPr>
+    </p:spTree>
+    <p:extLst>
+      <p:ext uri="{BB962C8B-B14F-4D97-AF65-F5344CB8AC3E}">
+        <p14:creationId xmlns:p14="http://schemas.microsoft.com/office/powerpoint/2010/main" val="3130394863"/>
+      </p:ext>
+    </p:extLst>
+  </p:cSld>
+  <p:clrMapOvr>
+    <a:masterClrMapping/>
+  </p:clrMapOvr>
+</p:sld>
+</file>
+
+<file path=ppt/slides/slide7.xml><?xml version="1.0" encoding="utf-8"?>
+<p:sld xmlns:a="http://schemas.openxmlformats.org/drawingml/2006/main" xmlns:r="http://schemas.openxmlformats.org/officeDocument/2006/relationships" xmlns:p="http://schemas.openxmlformats.org/presentationml/2006/main">
+  <p:cSld>
+    <p:spTree>
+      <p:nvGrpSpPr>
+        <p:cNvPr id="1" name=""/>
+        <p:cNvGrpSpPr/>
+        <p:nvPr/>
+      </p:nvGrpSpPr>
+      <p:grpSpPr>
+        <a:xfrm>
+          <a:off x="0" y="0"/>
+          <a:ext cx="0" cy="0"/>
+          <a:chOff x="0" y="0"/>
+          <a:chExt cx="0" cy="0"/>
+        </a:xfrm>
+      </p:grpSpPr>
+      <p:sp>
+        <p:nvSpPr>
+          <p:cNvPr id="4" name="矩形 3">
+            <a:extLst>
+              <a:ext uri="{FF2B5EF4-FFF2-40B4-BE49-F238E27FC236}">
+                <a16:creationId xmlns:a16="http://schemas.microsoft.com/office/drawing/2014/main" id="{3BE65C21-B530-44C4-B653-0AE3884B04E1}"/>
+              </a:ext>
+            </a:extLst>
+          </p:cNvPr>
+          <p:cNvSpPr/>
+          <p:nvPr/>
+        </p:nvSpPr>
+        <p:spPr>
+          <a:xfrm>
+            <a:off x="1847307" y="1007571"/>
             <a:ext cx="798617" cy="369332"/>
           </a:xfrm>
           <a:prstGeom prst="rect">
@@ -4030,7 +4835,7 @@
 </p:sld>
 </file>
 
-<file path=ppt/slides/slide6.xml><?xml version="1.0" encoding="utf-8"?>
+<file path=ppt/slides/slide8.xml><?xml version="1.0" encoding="utf-8"?>
 <p:sld xmlns:a="http://schemas.openxmlformats.org/drawingml/2006/main" xmlns:r="http://schemas.openxmlformats.org/officeDocument/2006/relationships" xmlns:p="http://schemas.openxmlformats.org/presentationml/2006/main">
   <p:cSld>
     <p:spTree>

--- a/Doc/AngularMat.pptx
+++ b/Doc/AngularMat.pptx
@@ -4048,7 +4048,7 @@
         </p:nvSpPr>
         <p:spPr>
           <a:xfrm>
-            <a:off x="1847307" y="2876568"/>
+            <a:off x="1945781" y="4373101"/>
             <a:ext cx="9294304" cy="1477328"/>
           </a:xfrm>
           <a:prstGeom prst="rect">
@@ -4066,6 +4066,46 @@
                 <a:latin typeface="Roboto"/>
               </a:rPr>
               <a:t>The Component Dev Kit (CDK) is a set of tools that implement common interaction patterns whilst being unopinionated about their presentation. It represents an abstraction of the core functionalities found in the Angular Material library, without any styling specific to Material Design. Think of the CDK as a blank state of well-tested functionality upon which you can develop your own bespoke components.</a:t>
+            </a:r>
+            <a:endParaRPr lang="en-US" dirty="0"/>
+          </a:p>
+        </p:txBody>
+      </p:sp>
+      <p:sp>
+        <p:nvSpPr>
+          <p:cNvPr id="5" name="矩形 4">
+            <a:extLst>
+              <a:ext uri="{FF2B5EF4-FFF2-40B4-BE49-F238E27FC236}">
+                <a16:creationId xmlns:a16="http://schemas.microsoft.com/office/drawing/2014/main" id="{813722F5-1BF8-4DCC-8C2A-BD3EA6DF6460}"/>
+              </a:ext>
+            </a:extLst>
+          </p:cNvPr>
+          <p:cNvSpPr/>
+          <p:nvPr/>
+        </p:nvSpPr>
+        <p:spPr>
+          <a:xfrm>
+            <a:off x="1847307" y="2520075"/>
+            <a:ext cx="9294304" cy="646331"/>
+          </a:xfrm>
+          <a:prstGeom prst="rect">
+            <a:avLst/>
+          </a:prstGeom>
+        </p:spPr>
+        <p:txBody>
+          <a:bodyPr wrap="square">
+            <a:spAutoFit/>
+          </a:bodyPr>
+          <a:lstStyle/>
+          <a:p>
+            <a:r>
+              <a:rPr lang="en-US" dirty="0">
+                <a:solidFill>
+                  <a:srgbClr val="52606D"/>
+                </a:solidFill>
+                <a:latin typeface="system-ui"/>
+              </a:rPr>
+              <a:t>It’s an effort to abstract the core parts of the developed material components into a dedicated library that can be used without necessarily having to use the Material Design guidelines.</a:t>
             </a:r>
             <a:endParaRPr lang="en-US" dirty="0"/>
           </a:p>
@@ -4757,6 +4797,220 @@
           <a:chExt cx="0" cy="0"/>
         </a:xfrm>
       </p:grpSpPr>
+      <p:sp>
+        <p:nvSpPr>
+          <p:cNvPr id="2" name="矩形 1">
+            <a:extLst>
+              <a:ext uri="{FF2B5EF4-FFF2-40B4-BE49-F238E27FC236}">
+                <a16:creationId xmlns:a16="http://schemas.microsoft.com/office/drawing/2014/main" id="{45A8BAC4-2D5F-4EF7-9953-87D5B0DE7459}"/>
+              </a:ext>
+            </a:extLst>
+          </p:cNvPr>
+          <p:cNvSpPr/>
+          <p:nvPr/>
+        </p:nvSpPr>
+        <p:spPr>
+          <a:xfrm>
+            <a:off x="1595472" y="585540"/>
+            <a:ext cx="757387" cy="369332"/>
+          </a:xfrm>
+          <a:prstGeom prst="rect">
+            <a:avLst/>
+          </a:prstGeom>
+        </p:spPr>
+        <p:txBody>
+          <a:bodyPr wrap="none">
+            <a:spAutoFit/>
+          </a:bodyPr>
+          <a:lstStyle/>
+          <a:p>
+            <a:r>
+              <a:rPr lang="en-US" b="1" dirty="0">
+                <a:solidFill>
+                  <a:srgbClr val="323F4B"/>
+                </a:solidFill>
+                <a:latin typeface="Harmonia Sans W01"/>
+              </a:rPr>
+              <a:t>Portal</a:t>
+            </a:r>
+            <a:endParaRPr lang="en-US" b="1" i="0" dirty="0">
+              <a:solidFill>
+                <a:srgbClr val="323F4B"/>
+              </a:solidFill>
+              <a:effectLst/>
+              <a:latin typeface="Harmonia Sans W01"/>
+            </a:endParaRPr>
+          </a:p>
+        </p:txBody>
+      </p:sp>
+      <p:sp>
+        <p:nvSpPr>
+          <p:cNvPr id="3" name="矩形 2">
+            <a:extLst>
+              <a:ext uri="{FF2B5EF4-FFF2-40B4-BE49-F238E27FC236}">
+                <a16:creationId xmlns:a16="http://schemas.microsoft.com/office/drawing/2014/main" id="{6B4731B6-D450-4814-AC88-278985D87218}"/>
+              </a:ext>
+            </a:extLst>
+          </p:cNvPr>
+          <p:cNvSpPr/>
+          <p:nvPr/>
+        </p:nvSpPr>
+        <p:spPr>
+          <a:xfrm>
+            <a:off x="1595472" y="1178562"/>
+            <a:ext cx="6096000" cy="646331"/>
+          </a:xfrm>
+          <a:prstGeom prst="rect">
+            <a:avLst/>
+          </a:prstGeom>
+        </p:spPr>
+        <p:txBody>
+          <a:bodyPr>
+            <a:spAutoFit/>
+          </a:bodyPr>
+          <a:lstStyle/>
+          <a:p>
+            <a:r>
+              <a:rPr lang="en-US" i="1" dirty="0">
+                <a:solidFill>
+                  <a:srgbClr val="52606D"/>
+                </a:solidFill>
+                <a:latin typeface="system-ui"/>
+              </a:rPr>
+              <a:t>The portals package provides a flexible system for rendering dynamic content into an application.</a:t>
+            </a:r>
+            <a:endParaRPr lang="en-US" dirty="0"/>
+          </a:p>
+        </p:txBody>
+      </p:sp>
+      <p:sp>
+        <p:nvSpPr>
+          <p:cNvPr id="4" name="矩形 3">
+            <a:extLst>
+              <a:ext uri="{FF2B5EF4-FFF2-40B4-BE49-F238E27FC236}">
+                <a16:creationId xmlns:a16="http://schemas.microsoft.com/office/drawing/2014/main" id="{C95DEF0A-CEBC-4D71-9215-23131F217928}"/>
+              </a:ext>
+            </a:extLst>
+          </p:cNvPr>
+          <p:cNvSpPr/>
+          <p:nvPr/>
+        </p:nvSpPr>
+        <p:spPr>
+          <a:xfrm>
+            <a:off x="1595472" y="2048583"/>
+            <a:ext cx="6096000" cy="646331"/>
+          </a:xfrm>
+          <a:prstGeom prst="rect">
+            <a:avLst/>
+          </a:prstGeom>
+        </p:spPr>
+        <p:txBody>
+          <a:bodyPr>
+            <a:spAutoFit/>
+          </a:bodyPr>
+          <a:lstStyle/>
+          <a:p>
+            <a:r>
+              <a:rPr lang="en-US" dirty="0">
+                <a:solidFill>
+                  <a:srgbClr val="52606D"/>
+                </a:solidFill>
+                <a:latin typeface="system-ui"/>
+              </a:rPr>
+              <a:t>Basically they help us take some piece of UI which we can dynamically render into some slot on our UI. </a:t>
+            </a:r>
+            <a:endParaRPr lang="en-US" dirty="0"/>
+          </a:p>
+        </p:txBody>
+      </p:sp>
+      <p:sp>
+        <p:nvSpPr>
+          <p:cNvPr id="5" name="矩形 4">
+            <a:extLst>
+              <a:ext uri="{FF2B5EF4-FFF2-40B4-BE49-F238E27FC236}">
+                <a16:creationId xmlns:a16="http://schemas.microsoft.com/office/drawing/2014/main" id="{EEE699A7-2693-44C1-B8D4-4895E4C19434}"/>
+              </a:ext>
+            </a:extLst>
+          </p:cNvPr>
+          <p:cNvSpPr/>
+          <p:nvPr/>
+        </p:nvSpPr>
+        <p:spPr>
+          <a:xfrm>
+            <a:off x="1641229" y="2918604"/>
+            <a:ext cx="1056700" cy="923330"/>
+          </a:xfrm>
+          <a:prstGeom prst="rect">
+            <a:avLst/>
+          </a:prstGeom>
+        </p:spPr>
+        <p:txBody>
+          <a:bodyPr wrap="none">
+            <a:spAutoFit/>
+          </a:bodyPr>
+          <a:lstStyle/>
+          <a:p>
+            <a:r>
+              <a:rPr lang="en-US" b="1" dirty="0">
+                <a:solidFill>
+                  <a:srgbClr val="323F4B"/>
+                </a:solidFill>
+                <a:latin typeface="Harmonia Sans W01"/>
+              </a:rPr>
+              <a:t>Tab</a:t>
+            </a:r>
+          </a:p>
+          <a:p>
+            <a:r>
+              <a:rPr lang="en-US" b="1" i="0" dirty="0">
+                <a:solidFill>
+                  <a:srgbClr val="323F4B"/>
+                </a:solidFill>
+                <a:effectLst/>
+                <a:latin typeface="Harmonia Sans W01"/>
+              </a:rPr>
+              <a:t>D</a:t>
+            </a:r>
+            <a:r>
+              <a:rPr lang="en-US" b="1" dirty="0">
+                <a:solidFill>
+                  <a:srgbClr val="323F4B"/>
+                </a:solidFill>
+                <a:latin typeface="Harmonia Sans W01"/>
+              </a:rPr>
+              <a:t>ialog</a:t>
+            </a:r>
+          </a:p>
+          <a:p>
+            <a:r>
+              <a:rPr lang="en-US" b="1" i="0" dirty="0" err="1">
+                <a:solidFill>
+                  <a:srgbClr val="323F4B"/>
+                </a:solidFill>
+                <a:effectLst/>
+                <a:latin typeface="Harmonia Sans W01"/>
+              </a:rPr>
+              <a:t>Snackba</a:t>
+            </a:r>
+            <a:r>
+              <a:rPr lang="en-US" b="1" dirty="0" err="1">
+                <a:solidFill>
+                  <a:srgbClr val="323F4B"/>
+                </a:solidFill>
+                <a:latin typeface="Harmonia Sans W01"/>
+              </a:rPr>
+              <a:t>r</a:t>
+            </a:r>
+            <a:endParaRPr lang="en-US" b="1" i="0" dirty="0">
+              <a:solidFill>
+                <a:srgbClr val="323F4B"/>
+              </a:solidFill>
+              <a:effectLst/>
+              <a:latin typeface="Harmonia Sans W01"/>
+            </a:endParaRPr>
+          </a:p>
+        </p:txBody>
+      </p:sp>
     </p:spTree>
     <p:extLst>
       <p:ext uri="{BB962C8B-B14F-4D97-AF65-F5344CB8AC3E}">

--- a/Doc/AngularMat.pptx
+++ b/Doc/AngularMat.pptx
@@ -268,7 +268,7 @@
           <a:p>
             <a:fld id="{34AA20A6-592D-427F-89B9-CB66581C1872}" type="datetimeFigureOut">
               <a:rPr lang="en-US" smtClean="0"/>
-              <a:t>1/22/2019</a:t>
+              <a:t>1/23/2019</a:t>
             </a:fld>
             <a:endParaRPr lang="en-US"/>
           </a:p>
@@ -468,7 +468,7 @@
           <a:p>
             <a:fld id="{34AA20A6-592D-427F-89B9-CB66581C1872}" type="datetimeFigureOut">
               <a:rPr lang="en-US" smtClean="0"/>
-              <a:t>1/22/2019</a:t>
+              <a:t>1/23/2019</a:t>
             </a:fld>
             <a:endParaRPr lang="en-US"/>
           </a:p>
@@ -678,7 +678,7 @@
           <a:p>
             <a:fld id="{34AA20A6-592D-427F-89B9-CB66581C1872}" type="datetimeFigureOut">
               <a:rPr lang="en-US" smtClean="0"/>
-              <a:t>1/22/2019</a:t>
+              <a:t>1/23/2019</a:t>
             </a:fld>
             <a:endParaRPr lang="en-US"/>
           </a:p>
@@ -878,7 +878,7 @@
           <a:p>
             <a:fld id="{34AA20A6-592D-427F-89B9-CB66581C1872}" type="datetimeFigureOut">
               <a:rPr lang="en-US" smtClean="0"/>
-              <a:t>1/22/2019</a:t>
+              <a:t>1/23/2019</a:t>
             </a:fld>
             <a:endParaRPr lang="en-US"/>
           </a:p>
@@ -1154,7 +1154,7 @@
           <a:p>
             <a:fld id="{34AA20A6-592D-427F-89B9-CB66581C1872}" type="datetimeFigureOut">
               <a:rPr lang="en-US" smtClean="0"/>
-              <a:t>1/22/2019</a:t>
+              <a:t>1/23/2019</a:t>
             </a:fld>
             <a:endParaRPr lang="en-US"/>
           </a:p>
@@ -1422,7 +1422,7 @@
           <a:p>
             <a:fld id="{34AA20A6-592D-427F-89B9-CB66581C1872}" type="datetimeFigureOut">
               <a:rPr lang="en-US" smtClean="0"/>
-              <a:t>1/22/2019</a:t>
+              <a:t>1/23/2019</a:t>
             </a:fld>
             <a:endParaRPr lang="en-US"/>
           </a:p>
@@ -1837,7 +1837,7 @@
           <a:p>
             <a:fld id="{34AA20A6-592D-427F-89B9-CB66581C1872}" type="datetimeFigureOut">
               <a:rPr lang="en-US" smtClean="0"/>
-              <a:t>1/22/2019</a:t>
+              <a:t>1/23/2019</a:t>
             </a:fld>
             <a:endParaRPr lang="en-US"/>
           </a:p>
@@ -1979,7 +1979,7 @@
           <a:p>
             <a:fld id="{34AA20A6-592D-427F-89B9-CB66581C1872}" type="datetimeFigureOut">
               <a:rPr lang="en-US" smtClean="0"/>
-              <a:t>1/22/2019</a:t>
+              <a:t>1/23/2019</a:t>
             </a:fld>
             <a:endParaRPr lang="en-US"/>
           </a:p>
@@ -2092,7 +2092,7 @@
           <a:p>
             <a:fld id="{34AA20A6-592D-427F-89B9-CB66581C1872}" type="datetimeFigureOut">
               <a:rPr lang="en-US" smtClean="0"/>
-              <a:t>1/22/2019</a:t>
+              <a:t>1/23/2019</a:t>
             </a:fld>
             <a:endParaRPr lang="en-US"/>
           </a:p>
@@ -2405,7 +2405,7 @@
           <a:p>
             <a:fld id="{34AA20A6-592D-427F-89B9-CB66581C1872}" type="datetimeFigureOut">
               <a:rPr lang="en-US" smtClean="0"/>
-              <a:t>1/22/2019</a:t>
+              <a:t>1/23/2019</a:t>
             </a:fld>
             <a:endParaRPr lang="en-US"/>
           </a:p>
@@ -2694,7 +2694,7 @@
           <a:p>
             <a:fld id="{34AA20A6-592D-427F-89B9-CB66581C1872}" type="datetimeFigureOut">
               <a:rPr lang="en-US" smtClean="0"/>
-              <a:t>1/22/2019</a:t>
+              <a:t>1/23/2019</a:t>
             </a:fld>
             <a:endParaRPr lang="en-US"/>
           </a:p>
@@ -2937,7 +2937,7 @@
           <a:p>
             <a:fld id="{34AA20A6-592D-427F-89B9-CB66581C1872}" type="datetimeFigureOut">
               <a:rPr lang="en-US" smtClean="0"/>
-              <a:t>1/22/2019</a:t>
+              <a:t>1/23/2019</a:t>
             </a:fld>
             <a:endParaRPr lang="en-US"/>
           </a:p>
